--- a/9_general/9_Other.pptx
+++ b/9_general/9_Other.pptx
@@ -24,7 +24,12 @@
     <p:sldId id="769" r:id="rId18"/>
     <p:sldId id="770" r:id="rId19"/>
     <p:sldId id="772" r:id="rId20"/>
-    <p:sldId id="749" r:id="rId21"/>
+    <p:sldId id="793" r:id="rId21"/>
+    <p:sldId id="749" r:id="rId22"/>
+    <p:sldId id="795" r:id="rId23"/>
+    <p:sldId id="794" r:id="rId24"/>
+    <p:sldId id="796" r:id="rId25"/>
+    <p:sldId id="797" r:id="rId26"/>
   </p:sldIdLst>
   <p:sldSz cx="12192000" cy="6858000"/>
   <p:notesSz cx="6858000" cy="9144000"/>
@@ -123,6 +128,11 @@
       </a:defRPr>
     </a:lvl9pPr>
   </p:defaultTextStyle>
+  <p:extLst>
+    <p:ext uri="{EFAFB233-063F-42B5-8137-9DF3F51BA10A}">
+      <p15:sldGuideLst xmlns:p15="http://schemas.microsoft.com/office/powerpoint/2012/main"/>
+    </p:ext>
+  </p:extLst>
 </p:presentation>
 </file>
 
@@ -275,7 +285,7 @@
           <a:p>
             <a:fld id="{D2BF5EA5-7B35-4081-8670-1468AC46983E}" type="datetimeFigureOut">
               <a:rPr lang="en-GB" smtClean="0"/>
-              <a:t>22/11/2025</a:t>
+              <a:t>28/11/2025</a:t>
             </a:fld>
             <a:endParaRPr lang="en-GB"/>
           </a:p>
@@ -475,7 +485,7 @@
           <a:p>
             <a:fld id="{D2BF5EA5-7B35-4081-8670-1468AC46983E}" type="datetimeFigureOut">
               <a:rPr lang="en-GB" smtClean="0"/>
-              <a:t>22/11/2025</a:t>
+              <a:t>28/11/2025</a:t>
             </a:fld>
             <a:endParaRPr lang="en-GB"/>
           </a:p>
@@ -685,7 +695,7 @@
           <a:p>
             <a:fld id="{D2BF5EA5-7B35-4081-8670-1468AC46983E}" type="datetimeFigureOut">
               <a:rPr lang="en-GB" smtClean="0"/>
-              <a:t>22/11/2025</a:t>
+              <a:t>28/11/2025</a:t>
             </a:fld>
             <a:endParaRPr lang="en-GB"/>
           </a:p>
@@ -885,7 +895,7 @@
           <a:p>
             <a:fld id="{D2BF5EA5-7B35-4081-8670-1468AC46983E}" type="datetimeFigureOut">
               <a:rPr lang="en-GB" smtClean="0"/>
-              <a:t>22/11/2025</a:t>
+              <a:t>28/11/2025</a:t>
             </a:fld>
             <a:endParaRPr lang="en-GB"/>
           </a:p>
@@ -1161,7 +1171,7 @@
           <a:p>
             <a:fld id="{D2BF5EA5-7B35-4081-8670-1468AC46983E}" type="datetimeFigureOut">
               <a:rPr lang="en-GB" smtClean="0"/>
-              <a:t>22/11/2025</a:t>
+              <a:t>28/11/2025</a:t>
             </a:fld>
             <a:endParaRPr lang="en-GB"/>
           </a:p>
@@ -1429,7 +1439,7 @@
           <a:p>
             <a:fld id="{D2BF5EA5-7B35-4081-8670-1468AC46983E}" type="datetimeFigureOut">
               <a:rPr lang="en-GB" smtClean="0"/>
-              <a:t>22/11/2025</a:t>
+              <a:t>28/11/2025</a:t>
             </a:fld>
             <a:endParaRPr lang="en-GB"/>
           </a:p>
@@ -1844,7 +1854,7 @@
           <a:p>
             <a:fld id="{D2BF5EA5-7B35-4081-8670-1468AC46983E}" type="datetimeFigureOut">
               <a:rPr lang="en-GB" smtClean="0"/>
-              <a:t>22/11/2025</a:t>
+              <a:t>28/11/2025</a:t>
             </a:fld>
             <a:endParaRPr lang="en-GB"/>
           </a:p>
@@ -1986,7 +1996,7 @@
           <a:p>
             <a:fld id="{D2BF5EA5-7B35-4081-8670-1468AC46983E}" type="datetimeFigureOut">
               <a:rPr lang="en-GB" smtClean="0"/>
-              <a:t>22/11/2025</a:t>
+              <a:t>28/11/2025</a:t>
             </a:fld>
             <a:endParaRPr lang="en-GB"/>
           </a:p>
@@ -2099,7 +2109,7 @@
           <a:p>
             <a:fld id="{D2BF5EA5-7B35-4081-8670-1468AC46983E}" type="datetimeFigureOut">
               <a:rPr lang="en-GB" smtClean="0"/>
-              <a:t>22/11/2025</a:t>
+              <a:t>28/11/2025</a:t>
             </a:fld>
             <a:endParaRPr lang="en-GB"/>
           </a:p>
@@ -2412,7 +2422,7 @@
           <a:p>
             <a:fld id="{D2BF5EA5-7B35-4081-8670-1468AC46983E}" type="datetimeFigureOut">
               <a:rPr lang="en-GB" smtClean="0"/>
-              <a:t>22/11/2025</a:t>
+              <a:t>28/11/2025</a:t>
             </a:fld>
             <a:endParaRPr lang="en-GB"/>
           </a:p>
@@ -2701,7 +2711,7 @@
           <a:p>
             <a:fld id="{D2BF5EA5-7B35-4081-8670-1468AC46983E}" type="datetimeFigureOut">
               <a:rPr lang="en-GB" smtClean="0"/>
-              <a:t>22/11/2025</a:t>
+              <a:t>28/11/2025</a:t>
             </a:fld>
             <a:endParaRPr lang="en-GB"/>
           </a:p>
@@ -2944,7 +2954,7 @@
           <a:p>
             <a:fld id="{D2BF5EA5-7B35-4081-8670-1468AC46983E}" type="datetimeFigureOut">
               <a:rPr lang="en-GB" smtClean="0"/>
-              <a:t>22/11/2025</a:t>
+              <a:t>28/11/2025</a:t>
             </a:fld>
             <a:endParaRPr lang="en-GB"/>
           </a:p>
@@ -15604,6 +15614,90 @@
       </p:grpSpPr>
       <p:sp>
         <p:nvSpPr>
+          <p:cNvPr id="4" name="Title 3">
+            <a:extLst>
+              <a:ext uri="{FF2B5EF4-FFF2-40B4-BE49-F238E27FC236}">
+                <a16:creationId xmlns:a16="http://schemas.microsoft.com/office/drawing/2014/main" id="{90E7F5ED-045C-B028-462A-9C54AF7FF271}"/>
+              </a:ext>
+            </a:extLst>
+          </p:cNvPr>
+          <p:cNvSpPr>
+            <a:spLocks noGrp="1"/>
+          </p:cNvSpPr>
+          <p:nvPr>
+            <p:ph type="title"/>
+          </p:nvPr>
+        </p:nvSpPr>
+        <p:spPr/>
+        <p:txBody>
+          <a:bodyPr/>
+          <a:lstStyle/>
+          <a:p>
+            <a:r>
+              <a:rPr lang="en-IN" dirty="0"/>
+              <a:t>Packaging/Productionizing Agents</a:t>
+            </a:r>
+            <a:endParaRPr lang="en-GB" dirty="0"/>
+          </a:p>
+        </p:txBody>
+      </p:sp>
+      <p:sp>
+        <p:nvSpPr>
+          <p:cNvPr id="5" name="Text Placeholder 4">
+            <a:extLst>
+              <a:ext uri="{FF2B5EF4-FFF2-40B4-BE49-F238E27FC236}">
+                <a16:creationId xmlns:a16="http://schemas.microsoft.com/office/drawing/2014/main" id="{75BFA89B-B944-14A4-97E6-79A570DED117}"/>
+              </a:ext>
+            </a:extLst>
+          </p:cNvPr>
+          <p:cNvSpPr>
+            <a:spLocks noGrp="1"/>
+          </p:cNvSpPr>
+          <p:nvPr>
+            <p:ph type="body" idx="1"/>
+          </p:nvPr>
+        </p:nvSpPr>
+        <p:spPr/>
+        <p:txBody>
+          <a:bodyPr/>
+          <a:lstStyle/>
+          <a:p>
+            <a:endParaRPr lang="en-GB"/>
+          </a:p>
+        </p:txBody>
+      </p:sp>
+    </p:spTree>
+    <p:extLst>
+      <p:ext uri="{BB962C8B-B14F-4D97-AF65-F5344CB8AC3E}">
+        <p14:creationId xmlns:p14="http://schemas.microsoft.com/office/powerpoint/2010/main" val="1091301849"/>
+      </p:ext>
+    </p:extLst>
+  </p:cSld>
+  <p:clrMapOvr>
+    <a:masterClrMapping/>
+  </p:clrMapOvr>
+</p:sld>
+</file>
+
+<file path=ppt/slides/slide21.xml><?xml version="1.0" encoding="utf-8"?>
+<p:sld xmlns:a="http://schemas.openxmlformats.org/drawingml/2006/main" xmlns:r="http://schemas.openxmlformats.org/officeDocument/2006/relationships" xmlns:p="http://schemas.openxmlformats.org/presentationml/2006/main">
+  <p:cSld>
+    <p:spTree>
+      <p:nvGrpSpPr>
+        <p:cNvPr id="1" name=""/>
+        <p:cNvGrpSpPr/>
+        <p:nvPr/>
+      </p:nvGrpSpPr>
+      <p:grpSpPr>
+        <a:xfrm>
+          <a:off x="0" y="0"/>
+          <a:ext cx="0" cy="0"/>
+          <a:chOff x="0" y="0"/>
+          <a:chExt cx="0" cy="0"/>
+        </a:xfrm>
+      </p:grpSpPr>
+      <p:sp>
+        <p:nvSpPr>
           <p:cNvPr id="2" name="Title 1">
             <a:extLst>
               <a:ext uri="{FF2B5EF4-FFF2-40B4-BE49-F238E27FC236}">
@@ -15624,8 +15718,12 @@
           <a:lstStyle/>
           <a:p>
             <a:r>
+              <a:rPr lang="en-IN" dirty="0" err="1"/>
+              <a:t>LangGraph</a:t>
+            </a:r>
+            <a:r>
               <a:rPr lang="en-IN" dirty="0"/>
-              <a:t>Productionizing an Agent</a:t>
+              <a:t> News Agent – Local Docker Testing</a:t>
             </a:r>
             <a:endParaRPr lang="en-GB" dirty="0"/>
           </a:p>
@@ -15649,7 +15747,9 @@
         </p:nvSpPr>
         <p:spPr/>
         <p:txBody>
-          <a:bodyPr/>
+          <a:bodyPr>
+            <a:normAutofit fontScale="92500"/>
+          </a:bodyPr>
           <a:lstStyle/>
           <a:p>
             <a:r>
@@ -15658,7 +15758,7 @@
             </a:r>
             <a:r>
               <a:rPr lang="it-IT" dirty="0"/>
-              <a:t>C:\code\agenticai\9_general\prod</a:t>
+              <a:t>C:\code\agenticai\9_general\prod\langgraph_news_agent</a:t>
             </a:r>
           </a:p>
           <a:p>
@@ -15672,12 +15772,12 @@
                   <a:srgbClr val="FF0000"/>
                 </a:solidFill>
               </a:rPr>
-              <a:t>docker build -t langgraph-agent-flask .</a:t>
+              <a:t>docker build -t my_agent_with_langgraph .</a:t>
             </a:r>
           </a:p>
           <a:p>
             <a:r>
-              <a:rPr lang="it-IT"/>
+              <a:rPr lang="it-IT" dirty="0"/>
               <a:t>Run the container: </a:t>
             </a:r>
             <a:r>
@@ -15686,7 +15786,7 @@
                   <a:srgbClr val="FF0000"/>
                 </a:solidFill>
               </a:rPr>
-              <a:t>docker run --rm -p 8080:8080 -e OPENAI_API_KEY="..."  -e NEWS_API_KEY="..." langgraph-agent-flask</a:t>
+              <a:t>docker run --rm -p 9999:8080 -e OPENAI_API_KEY="..."  -e NEWS_API_KEY="..." my_agent_with_langgraph</a:t>
             </a:r>
           </a:p>
           <a:p>
@@ -15700,7 +15800,46 @@
                   <a:srgbClr val="FF0000"/>
                 </a:solidFill>
               </a:rPr>
-              <a:t>localhost:8080</a:t>
+              <a:t>localhost:9999</a:t>
+            </a:r>
+          </a:p>
+          <a:p>
+            <a:r>
+              <a:rPr lang="it-IT" dirty="0"/>
+              <a:t>If ok, tag the image to push to DockerHub</a:t>
+            </a:r>
+          </a:p>
+          <a:p>
+            <a:pPr lvl="1"/>
+            <a:r>
+              <a:rPr lang="it-IT" b="1" dirty="0">
+                <a:solidFill>
+                  <a:srgbClr val="FF0000"/>
+                </a:solidFill>
+              </a:rPr>
+              <a:t>docker login</a:t>
+            </a:r>
+          </a:p>
+          <a:p>
+            <a:pPr lvl="1"/>
+            <a:r>
+              <a:rPr lang="it-IT" b="1" dirty="0">
+                <a:solidFill>
+                  <a:srgbClr val="FF0000"/>
+                </a:solidFill>
+              </a:rPr>
+              <a:t>docker tag my_agent_with_langgraph newdelthis/my_agent_with_langgraph:1.0</a:t>
+            </a:r>
+          </a:p>
+          <a:p>
+            <a:pPr lvl="1"/>
+            <a:r>
+              <a:rPr lang="it-IT" b="1" dirty="0">
+                <a:solidFill>
+                  <a:srgbClr val="FF0000"/>
+                </a:solidFill>
+              </a:rPr>
+              <a:t>docker push newdelthis/my_agent_with_langgraph:1.0</a:t>
             </a:r>
             <a:endParaRPr lang="en-GB" b="1" dirty="0">
               <a:solidFill>
@@ -15714,6 +15853,661 @@
     <p:extLst>
       <p:ext uri="{BB962C8B-B14F-4D97-AF65-F5344CB8AC3E}">
         <p14:creationId xmlns:p14="http://schemas.microsoft.com/office/powerpoint/2010/main" val="1050020539"/>
+      </p:ext>
+    </p:extLst>
+  </p:cSld>
+  <p:clrMapOvr>
+    <a:masterClrMapping/>
+  </p:clrMapOvr>
+</p:sld>
+</file>
+
+<file path=ppt/slides/slide22.xml><?xml version="1.0" encoding="utf-8"?>
+<p:sld xmlns:a="http://schemas.openxmlformats.org/drawingml/2006/main" xmlns:r="http://schemas.openxmlformats.org/officeDocument/2006/relationships" xmlns:p="http://schemas.openxmlformats.org/presentationml/2006/main">
+  <p:cSld>
+    <p:spTree>
+      <p:nvGrpSpPr>
+        <p:cNvPr id="1" name="">
+          <a:extLst>
+            <a:ext uri="{FF2B5EF4-FFF2-40B4-BE49-F238E27FC236}">
+              <a16:creationId xmlns:a16="http://schemas.microsoft.com/office/drawing/2014/main" id="{49F86D3C-2DFB-112D-8DB3-C2C27C4ED3A1}"/>
+            </a:ext>
+          </a:extLst>
+        </p:cNvPr>
+        <p:cNvGrpSpPr/>
+        <p:nvPr/>
+      </p:nvGrpSpPr>
+      <p:grpSpPr>
+        <a:xfrm>
+          <a:off x="0" y="0"/>
+          <a:ext cx="0" cy="0"/>
+          <a:chOff x="0" y="0"/>
+          <a:chExt cx="0" cy="0"/>
+        </a:xfrm>
+      </p:grpSpPr>
+      <p:sp>
+        <p:nvSpPr>
+          <p:cNvPr id="2" name="Title 1">
+            <a:extLst>
+              <a:ext uri="{FF2B5EF4-FFF2-40B4-BE49-F238E27FC236}">
+                <a16:creationId xmlns:a16="http://schemas.microsoft.com/office/drawing/2014/main" id="{AC2C3C78-5145-463D-95D6-24191A96FAE1}"/>
+              </a:ext>
+            </a:extLst>
+          </p:cNvPr>
+          <p:cNvSpPr>
+            <a:spLocks noGrp="1"/>
+          </p:cNvSpPr>
+          <p:nvPr>
+            <p:ph type="title"/>
+          </p:nvPr>
+        </p:nvSpPr>
+        <p:spPr/>
+        <p:txBody>
+          <a:bodyPr/>
+          <a:lstStyle/>
+          <a:p>
+            <a:r>
+              <a:rPr lang="en-IN" dirty="0" err="1"/>
+              <a:t>LangGraph</a:t>
+            </a:r>
+            <a:r>
+              <a:rPr lang="en-IN" dirty="0"/>
+              <a:t> News Agent – AWS Testing</a:t>
+            </a:r>
+            <a:endParaRPr lang="en-GB" dirty="0"/>
+          </a:p>
+        </p:txBody>
+      </p:sp>
+      <p:sp>
+        <p:nvSpPr>
+          <p:cNvPr id="3" name="Content Placeholder 2">
+            <a:extLst>
+              <a:ext uri="{FF2B5EF4-FFF2-40B4-BE49-F238E27FC236}">
+                <a16:creationId xmlns:a16="http://schemas.microsoft.com/office/drawing/2014/main" id="{A3083B5D-DDA1-AC4D-B041-79D8E827919F}"/>
+              </a:ext>
+            </a:extLst>
+          </p:cNvPr>
+          <p:cNvSpPr>
+            <a:spLocks noGrp="1"/>
+          </p:cNvSpPr>
+          <p:nvPr>
+            <p:ph idx="1"/>
+          </p:nvPr>
+        </p:nvSpPr>
+        <p:spPr/>
+        <p:txBody>
+          <a:bodyPr>
+            <a:normAutofit/>
+          </a:bodyPr>
+          <a:lstStyle/>
+          <a:p>
+            <a:r>
+              <a:rPr lang="en-IN" dirty="0"/>
+              <a:t>Login to AWS and create an Ubuntu EC2 instance, enable all TCP requests (all ports), start it</a:t>
+            </a:r>
+          </a:p>
+          <a:p>
+            <a:r>
+              <a:rPr lang="en-IN" dirty="0"/>
+              <a:t>Login to this instance using Putty, user id is </a:t>
+            </a:r>
+            <a:r>
+              <a:rPr lang="en-IN" i="1" dirty="0"/>
+              <a:t>ubuntu</a:t>
+            </a:r>
+            <a:endParaRPr lang="en-IN" dirty="0"/>
+          </a:p>
+          <a:p>
+            <a:r>
+              <a:rPr lang="en-IN" dirty="0"/>
+              <a:t>Install Docker and give permissions: https://docs.docker.com/engine/install/ubuntu/ and </a:t>
+            </a:r>
+            <a:r>
+              <a:rPr lang="en-IN" dirty="0">
+                <a:hlinkClick r:id="rId2"/>
+              </a:rPr>
+              <a:t>https://docs.docker.com/engine/install/linux-postinstall/</a:t>
+            </a:r>
+            <a:endParaRPr lang="en-IN" dirty="0"/>
+          </a:p>
+          <a:p>
+            <a:r>
+              <a:rPr lang="it-IT" b="1" dirty="0">
+                <a:solidFill>
+                  <a:srgbClr val="FF0000"/>
+                </a:solidFill>
+              </a:rPr>
+              <a:t>docker run --rm -p 9999:8080 -e OPENAI_API_KEY="..."  -e NEWS_API_KEY="..." newdelthis/my_agent_with_langgraph:1.0</a:t>
+            </a:r>
+          </a:p>
+          <a:p>
+            <a:r>
+              <a:rPr lang="en-IN" dirty="0"/>
+              <a:t>Browser: &lt;public </a:t>
+            </a:r>
+            <a:r>
+              <a:rPr lang="en-IN" dirty="0" err="1"/>
+              <a:t>ip</a:t>
+            </a:r>
+            <a:r>
+              <a:rPr lang="en-IN" dirty="0"/>
+              <a:t>&gt;:9999</a:t>
+            </a:r>
+          </a:p>
+          <a:p>
+            <a:endParaRPr lang="en-GB" dirty="0"/>
+          </a:p>
+        </p:txBody>
+      </p:sp>
+    </p:spTree>
+    <p:extLst>
+      <p:ext uri="{BB962C8B-B14F-4D97-AF65-F5344CB8AC3E}">
+        <p14:creationId xmlns:p14="http://schemas.microsoft.com/office/powerpoint/2010/main" val="3088101890"/>
+      </p:ext>
+    </p:extLst>
+  </p:cSld>
+  <p:clrMapOvr>
+    <a:masterClrMapping/>
+  </p:clrMapOvr>
+</p:sld>
+</file>
+
+<file path=ppt/slides/slide23.xml><?xml version="1.0" encoding="utf-8"?>
+<p:sld xmlns:a="http://schemas.openxmlformats.org/drawingml/2006/main" xmlns:r="http://schemas.openxmlformats.org/officeDocument/2006/relationships" xmlns:p="http://schemas.openxmlformats.org/presentationml/2006/main">
+  <p:cSld>
+    <p:spTree>
+      <p:nvGrpSpPr>
+        <p:cNvPr id="1" name=""/>
+        <p:cNvGrpSpPr/>
+        <p:nvPr/>
+      </p:nvGrpSpPr>
+      <p:grpSpPr>
+        <a:xfrm>
+          <a:off x="0" y="0"/>
+          <a:ext cx="0" cy="0"/>
+          <a:chOff x="0" y="0"/>
+          <a:chExt cx="0" cy="0"/>
+        </a:xfrm>
+      </p:grpSpPr>
+      <p:sp>
+        <p:nvSpPr>
+          <p:cNvPr id="2" name="Title 1">
+            <a:extLst>
+              <a:ext uri="{FF2B5EF4-FFF2-40B4-BE49-F238E27FC236}">
+                <a16:creationId xmlns:a16="http://schemas.microsoft.com/office/drawing/2014/main" id="{37F55E21-1CAA-2BA5-E9E1-F94B445BAFA3}"/>
+              </a:ext>
+            </a:extLst>
+          </p:cNvPr>
+          <p:cNvSpPr>
+            <a:spLocks noGrp="1"/>
+          </p:cNvSpPr>
+          <p:nvPr>
+            <p:ph type="title"/>
+          </p:nvPr>
+        </p:nvSpPr>
+        <p:spPr/>
+        <p:txBody>
+          <a:bodyPr/>
+          <a:lstStyle/>
+          <a:p>
+            <a:r>
+              <a:rPr lang="en-IN"/>
+              <a:t>Pinecone – Vector Database Creation</a:t>
+            </a:r>
+            <a:endParaRPr lang="en-GB" dirty="0"/>
+          </a:p>
+        </p:txBody>
+      </p:sp>
+      <p:sp>
+        <p:nvSpPr>
+          <p:cNvPr id="3" name="Content Placeholder 2">
+            <a:extLst>
+              <a:ext uri="{FF2B5EF4-FFF2-40B4-BE49-F238E27FC236}">
+                <a16:creationId xmlns:a16="http://schemas.microsoft.com/office/drawing/2014/main" id="{BA542154-5887-BF40-71CB-A148AB4547F1}"/>
+              </a:ext>
+            </a:extLst>
+          </p:cNvPr>
+          <p:cNvSpPr>
+            <a:spLocks noGrp="1"/>
+          </p:cNvSpPr>
+          <p:nvPr>
+            <p:ph idx="1"/>
+          </p:nvPr>
+        </p:nvSpPr>
+        <p:spPr/>
+        <p:txBody>
+          <a:bodyPr>
+            <a:normAutofit lnSpcReduction="10000"/>
+          </a:bodyPr>
+          <a:lstStyle/>
+          <a:p>
+            <a:r>
+              <a:rPr lang="en-IN" dirty="0"/>
+              <a:t>Register on pinecone (A vector database) website: </a:t>
+            </a:r>
+            <a:r>
+              <a:rPr lang="en-IN" dirty="0">
+                <a:hlinkClick r:id="rId2"/>
+              </a:rPr>
+              <a:t>www.pinecone.io</a:t>
+            </a:r>
+            <a:endParaRPr lang="en-IN" dirty="0"/>
+          </a:p>
+          <a:p>
+            <a:r>
+              <a:rPr lang="en-IN" dirty="0"/>
+              <a:t>Create a project -&gt; agentic -&gt; It will create and show an API key -&gt; Copy it safely -&gt; Create Index -&gt; </a:t>
+            </a:r>
+            <a:r>
+              <a:rPr lang="en-IN" dirty="0" err="1"/>
+              <a:t>faq</a:t>
+            </a:r>
+            <a:r>
+              <a:rPr lang="en-IN" dirty="0"/>
+              <a:t>-embeddings -&gt; Configuration -&gt; text-embedding-3-small -&gt; Select Manual configuration -&gt; Change dimensions to 1356 (Because 512 is incorrectly filled by the UI) -&gt; Capacity mode -&gt; Serverless -&gt; Provider -&gt; AWS -&gt; Region -&gt; us-east-1 -&gt; Create index</a:t>
+            </a:r>
+          </a:p>
+          <a:p>
+            <a:r>
+              <a:rPr lang="en-IN" dirty="0"/>
+              <a:t>Create embeddings for 10 FAQs: Code </a:t>
+            </a:r>
+            <a:r>
+              <a:rPr lang="en-US" dirty="0"/>
+              <a:t>C:\code\agenticai\9_general\prod\pinecone_example\9_prod_pinecone_embedding_creation.py</a:t>
+            </a:r>
+          </a:p>
+          <a:p>
+            <a:pPr lvl="1"/>
+            <a:r>
+              <a:rPr lang="en-US" dirty="0"/>
+              <a:t>Run it and check on pinecone – Index should be created</a:t>
+            </a:r>
+          </a:p>
+          <a:p>
+            <a:endParaRPr lang="en-IN" dirty="0"/>
+          </a:p>
+          <a:p>
+            <a:endParaRPr lang="en-IN" dirty="0"/>
+          </a:p>
+          <a:p>
+            <a:endParaRPr lang="en-IN" dirty="0"/>
+          </a:p>
+          <a:p>
+            <a:pPr lvl="1"/>
+            <a:endParaRPr lang="en-GB" dirty="0"/>
+          </a:p>
+        </p:txBody>
+      </p:sp>
+    </p:spTree>
+    <p:extLst>
+      <p:ext uri="{BB962C8B-B14F-4D97-AF65-F5344CB8AC3E}">
+        <p14:creationId xmlns:p14="http://schemas.microsoft.com/office/powerpoint/2010/main" val="697277812"/>
+      </p:ext>
+    </p:extLst>
+  </p:cSld>
+  <p:clrMapOvr>
+    <a:masterClrMapping/>
+  </p:clrMapOvr>
+</p:sld>
+</file>
+
+<file path=ppt/slides/slide24.xml><?xml version="1.0" encoding="utf-8"?>
+<p:sld xmlns:a="http://schemas.openxmlformats.org/drawingml/2006/main" xmlns:r="http://schemas.openxmlformats.org/officeDocument/2006/relationships" xmlns:p="http://schemas.openxmlformats.org/presentationml/2006/main">
+  <p:cSld>
+    <p:spTree>
+      <p:nvGrpSpPr>
+        <p:cNvPr id="1" name=""/>
+        <p:cNvGrpSpPr/>
+        <p:nvPr/>
+      </p:nvGrpSpPr>
+      <p:grpSpPr>
+        <a:xfrm>
+          <a:off x="0" y="0"/>
+          <a:ext cx="0" cy="0"/>
+          <a:chOff x="0" y="0"/>
+          <a:chExt cx="0" cy="0"/>
+        </a:xfrm>
+      </p:grpSpPr>
+      <p:sp>
+        <p:nvSpPr>
+          <p:cNvPr id="2" name="Title 1">
+            <a:extLst>
+              <a:ext uri="{FF2B5EF4-FFF2-40B4-BE49-F238E27FC236}">
+                <a16:creationId xmlns:a16="http://schemas.microsoft.com/office/drawing/2014/main" id="{8F187267-1754-6F64-9916-F3E6500CADFE}"/>
+              </a:ext>
+            </a:extLst>
+          </p:cNvPr>
+          <p:cNvSpPr>
+            <a:spLocks noGrp="1"/>
+          </p:cNvSpPr>
+          <p:nvPr>
+            <p:ph type="title"/>
+          </p:nvPr>
+        </p:nvSpPr>
+        <p:spPr/>
+        <p:txBody>
+          <a:bodyPr/>
+          <a:lstStyle/>
+          <a:p>
+            <a:r>
+              <a:rPr lang="en-IN" dirty="0"/>
+              <a:t>Pinecone Vector DB Agent – Local Docker Testing</a:t>
+            </a:r>
+            <a:endParaRPr lang="en-GB" dirty="0"/>
+          </a:p>
+        </p:txBody>
+      </p:sp>
+      <p:sp>
+        <p:nvSpPr>
+          <p:cNvPr id="3" name="Content Placeholder 2">
+            <a:extLst>
+              <a:ext uri="{FF2B5EF4-FFF2-40B4-BE49-F238E27FC236}">
+                <a16:creationId xmlns:a16="http://schemas.microsoft.com/office/drawing/2014/main" id="{33FC768C-C042-85F9-FFCC-4CCF8ABF29D7}"/>
+              </a:ext>
+            </a:extLst>
+          </p:cNvPr>
+          <p:cNvSpPr>
+            <a:spLocks noGrp="1"/>
+          </p:cNvSpPr>
+          <p:nvPr>
+            <p:ph idx="1"/>
+          </p:nvPr>
+        </p:nvSpPr>
+        <p:spPr/>
+        <p:txBody>
+          <a:bodyPr>
+            <a:normAutofit lnSpcReduction="10000"/>
+          </a:bodyPr>
+          <a:lstStyle/>
+          <a:p>
+            <a:r>
+              <a:rPr lang="en-IN" dirty="0"/>
+              <a:t>Build Docker image: </a:t>
+            </a:r>
+            <a:r>
+              <a:rPr lang="en-IN" b="1" dirty="0">
+                <a:solidFill>
+                  <a:srgbClr val="FF0000"/>
+                </a:solidFill>
+              </a:rPr>
+              <a:t>docker build -t </a:t>
+            </a:r>
+            <a:r>
+              <a:rPr lang="en-IN" b="1" dirty="0" err="1">
+                <a:solidFill>
+                  <a:srgbClr val="FF0000"/>
+                </a:solidFill>
+              </a:rPr>
+              <a:t>my_agent_with_rag</a:t>
+            </a:r>
+            <a:r>
+              <a:rPr lang="en-IN" b="1" dirty="0">
+                <a:solidFill>
+                  <a:srgbClr val="FF0000"/>
+                </a:solidFill>
+              </a:rPr>
+              <a:t> .</a:t>
+            </a:r>
+          </a:p>
+          <a:p>
+            <a:r>
+              <a:rPr lang="en-IN" dirty="0"/>
+              <a:t>Run Docker container: </a:t>
+            </a:r>
+            <a:r>
+              <a:rPr lang="en-IN" b="1" dirty="0">
+                <a:solidFill>
+                  <a:srgbClr val="FF0000"/>
+                </a:solidFill>
+              </a:rPr>
+              <a:t>docker run --rm -p 9999:8000 -e OPENAI_API_KEY="" -e PINECONE_API_KEY="" </a:t>
+            </a:r>
+            <a:r>
+              <a:rPr lang="en-IN" b="1" dirty="0" err="1">
+                <a:solidFill>
+                  <a:srgbClr val="FF0000"/>
+                </a:solidFill>
+              </a:rPr>
+              <a:t>my_agent_with_rag</a:t>
+            </a:r>
+            <a:endParaRPr lang="en-IN" b="1" dirty="0">
+              <a:solidFill>
+                <a:srgbClr val="FF0000"/>
+              </a:solidFill>
+            </a:endParaRPr>
+          </a:p>
+          <a:p>
+            <a:r>
+              <a:rPr lang="en-IN" dirty="0"/>
+              <a:t>Browser: localhost:9999 and</a:t>
+            </a:r>
+          </a:p>
+          <a:p>
+            <a:r>
+              <a:rPr lang="en-IN" dirty="0"/>
+              <a:t>Postman</a:t>
+            </a:r>
+          </a:p>
+          <a:p>
+            <a:pPr lvl="1"/>
+            <a:r>
+              <a:rPr lang="en-IN" dirty="0"/>
+              <a:t>POST to localhost:9999</a:t>
+            </a:r>
+          </a:p>
+          <a:p>
+            <a:pPr lvl="1"/>
+            <a:r>
+              <a:rPr lang="en-IN" dirty="0"/>
+              <a:t>Body-raw-Json</a:t>
+            </a:r>
+          </a:p>
+          <a:p>
+            <a:pPr marL="457200" lvl="1" indent="0">
+              <a:buNone/>
+            </a:pPr>
+            <a:r>
+              <a:rPr lang="en-US" dirty="0"/>
+              <a:t>{</a:t>
+            </a:r>
+          </a:p>
+          <a:p>
+            <a:pPr marL="0" indent="0">
+              <a:buNone/>
+            </a:pPr>
+            <a:r>
+              <a:rPr lang="en-US" dirty="0"/>
+              <a:t>    	"query": "What do you sell?"</a:t>
+            </a:r>
+          </a:p>
+          <a:p>
+            <a:pPr marL="457200" lvl="1" indent="0">
+              <a:buNone/>
+            </a:pPr>
+            <a:r>
+              <a:rPr lang="en-US" dirty="0"/>
+              <a:t>}</a:t>
+            </a:r>
+          </a:p>
+          <a:p>
+            <a:pPr lvl="1"/>
+            <a:endParaRPr lang="en-GB" dirty="0"/>
+          </a:p>
+        </p:txBody>
+      </p:sp>
+      <p:pic>
+        <p:nvPicPr>
+          <p:cNvPr id="5" name="Picture 4">
+            <a:extLst>
+              <a:ext uri="{FF2B5EF4-FFF2-40B4-BE49-F238E27FC236}">
+                <a16:creationId xmlns:a16="http://schemas.microsoft.com/office/drawing/2014/main" id="{6DCFDF59-D3FD-AF4B-BF07-AEE5BFC68739}"/>
+              </a:ext>
+            </a:extLst>
+          </p:cNvPr>
+          <p:cNvPicPr>
+            <a:picLocks noChangeAspect="1"/>
+          </p:cNvPicPr>
+          <p:nvPr/>
+        </p:nvPicPr>
+        <p:blipFill>
+          <a:blip r:embed="rId2"/>
+          <a:stretch>
+            <a:fillRect/>
+          </a:stretch>
+        </p:blipFill>
+        <p:spPr>
+          <a:xfrm>
+            <a:off x="5877289" y="3322169"/>
+            <a:ext cx="5986644" cy="2430809"/>
+          </a:xfrm>
+          <a:prstGeom prst="rect">
+            <a:avLst/>
+          </a:prstGeom>
+        </p:spPr>
+      </p:pic>
+    </p:spTree>
+    <p:extLst>
+      <p:ext uri="{BB962C8B-B14F-4D97-AF65-F5344CB8AC3E}">
+        <p14:creationId xmlns:p14="http://schemas.microsoft.com/office/powerpoint/2010/main" val="484305870"/>
+      </p:ext>
+    </p:extLst>
+  </p:cSld>
+  <p:clrMapOvr>
+    <a:masterClrMapping/>
+  </p:clrMapOvr>
+</p:sld>
+</file>
+
+<file path=ppt/slides/slide25.xml><?xml version="1.0" encoding="utf-8"?>
+<p:sld xmlns:a="http://schemas.openxmlformats.org/drawingml/2006/main" xmlns:r="http://schemas.openxmlformats.org/officeDocument/2006/relationships" xmlns:p="http://schemas.openxmlformats.org/presentationml/2006/main">
+  <p:cSld>
+    <p:spTree>
+      <p:nvGrpSpPr>
+        <p:cNvPr id="1" name=""/>
+        <p:cNvGrpSpPr/>
+        <p:nvPr/>
+      </p:nvGrpSpPr>
+      <p:grpSpPr>
+        <a:xfrm>
+          <a:off x="0" y="0"/>
+          <a:ext cx="0" cy="0"/>
+          <a:chOff x="0" y="0"/>
+          <a:chExt cx="0" cy="0"/>
+        </a:xfrm>
+      </p:grpSpPr>
+      <p:sp>
+        <p:nvSpPr>
+          <p:cNvPr id="2" name="Title 1">
+            <a:extLst>
+              <a:ext uri="{FF2B5EF4-FFF2-40B4-BE49-F238E27FC236}">
+                <a16:creationId xmlns:a16="http://schemas.microsoft.com/office/drawing/2014/main" id="{134B085B-0AD8-6DB2-5401-B05B3C84F9AE}"/>
+              </a:ext>
+            </a:extLst>
+          </p:cNvPr>
+          <p:cNvSpPr>
+            <a:spLocks noGrp="1"/>
+          </p:cNvSpPr>
+          <p:nvPr>
+            <p:ph type="title"/>
+          </p:nvPr>
+        </p:nvSpPr>
+        <p:spPr/>
+        <p:txBody>
+          <a:bodyPr/>
+          <a:lstStyle/>
+          <a:p>
+            <a:r>
+              <a:rPr lang="en-IN" dirty="0"/>
+              <a:t>Pinecone Vector DB Agent – AWS Testing</a:t>
+            </a:r>
+            <a:endParaRPr lang="en-GB" dirty="0"/>
+          </a:p>
+        </p:txBody>
+      </p:sp>
+      <p:sp>
+        <p:nvSpPr>
+          <p:cNvPr id="3" name="Content Placeholder 2">
+            <a:extLst>
+              <a:ext uri="{FF2B5EF4-FFF2-40B4-BE49-F238E27FC236}">
+                <a16:creationId xmlns:a16="http://schemas.microsoft.com/office/drawing/2014/main" id="{18508AA5-08DD-E1AD-B5A9-26B243AD7942}"/>
+              </a:ext>
+            </a:extLst>
+          </p:cNvPr>
+          <p:cNvSpPr>
+            <a:spLocks noGrp="1"/>
+          </p:cNvSpPr>
+          <p:nvPr>
+            <p:ph idx="1"/>
+          </p:nvPr>
+        </p:nvSpPr>
+        <p:spPr/>
+        <p:txBody>
+          <a:bodyPr/>
+          <a:lstStyle/>
+          <a:p>
+            <a:r>
+              <a:rPr lang="it-IT" b="1" dirty="0">
+                <a:solidFill>
+                  <a:srgbClr val="FF0000"/>
+                </a:solidFill>
+              </a:rPr>
+              <a:t>docker tag my_agent_with_rag newdelthis/my_agent_with_rag:1.0</a:t>
+            </a:r>
+          </a:p>
+          <a:p>
+            <a:r>
+              <a:rPr lang="it-IT" b="1" dirty="0">
+                <a:solidFill>
+                  <a:srgbClr val="FF0000"/>
+                </a:solidFill>
+              </a:rPr>
+              <a:t>docker push newdelthis/my_agent_with_rag:1.0</a:t>
+            </a:r>
+          </a:p>
+          <a:p>
+            <a:r>
+              <a:rPr lang="it-IT" dirty="0"/>
+              <a:t>Go back to AWS terminal of Ubuntu EC2 instance</a:t>
+            </a:r>
+          </a:p>
+          <a:p>
+            <a:r>
+              <a:rPr lang="it-IT" b="1" dirty="0">
+                <a:solidFill>
+                  <a:srgbClr val="FF0000"/>
+                </a:solidFill>
+              </a:rPr>
+              <a:t>docker run --rm -p 9999:8080 -e OPENAI_API_KEY="..."  -e PINECONE_API_KEY="..." newdelthis/my_agent_with_rag:1.0</a:t>
+            </a:r>
+          </a:p>
+          <a:p>
+            <a:r>
+              <a:rPr lang="en-IN" dirty="0"/>
+              <a:t>Browser: &lt;public </a:t>
+            </a:r>
+            <a:r>
+              <a:rPr lang="en-IN" dirty="0" err="1"/>
+              <a:t>ip</a:t>
+            </a:r>
+            <a:r>
+              <a:rPr lang="en-IN" dirty="0"/>
+              <a:t>&gt;:9999</a:t>
+            </a:r>
+          </a:p>
+          <a:p>
+            <a:r>
+              <a:rPr lang="en-IN" dirty="0"/>
+              <a:t>Repeat previous testing in Postman, but use AWS public IP address</a:t>
+            </a:r>
+            <a:endParaRPr lang="en-GB" dirty="0"/>
+          </a:p>
+        </p:txBody>
+      </p:sp>
+    </p:spTree>
+    <p:extLst>
+      <p:ext uri="{BB962C8B-B14F-4D97-AF65-F5344CB8AC3E}">
+        <p14:creationId xmlns:p14="http://schemas.microsoft.com/office/powerpoint/2010/main" val="2538479038"/>
       </p:ext>
     </p:extLst>
   </p:cSld>
